--- a/img/dq3.pptx
+++ b/img/dq3.pptx
@@ -151,7 +151,7 @@
       </p14:sectionLst>
     </p:ext>
     <p:ext uri="{EFAFB233-063F-42B5-8137-9DF3F51BA10A}">
-      <p15:sldGuideLst xmlns:p15="http://schemas.microsoft.com/office/powerpoint/2012/main" xmlns="">
+      <p15:sldGuideLst xmlns="" xmlns:p15="http://schemas.microsoft.com/office/powerpoint/2012/main">
         <p15:guide id="1" orient="horz" pos="2160">
           <p15:clr>
             <a:srgbClr val="A4A3A4"/>
@@ -165,7 +165,7 @@
       </p15:sldGuideLst>
     </p:ext>
     <p:ext uri="{2D200454-40CA-4A62-9FC3-DE9A4176ACB9}">
-      <p15:notesGuideLst xmlns:p15="http://schemas.microsoft.com/office/powerpoint/2012/main" xmlns="">
+      <p15:notesGuideLst xmlns="" xmlns:p15="http://schemas.microsoft.com/office/powerpoint/2012/main">
         <p15:guide id="1" orient="horz" pos="3223">
           <p15:clr>
             <a:srgbClr val="A4A3A4"/>
@@ -2446,9 +2446,8 @@
             </a:pathLst>
           </a:custGeom>
           <a:solidFill>
-            <a:schemeClr val="accent6">
-              <a:lumMod val="60000"/>
-              <a:lumOff val="40000"/>
+            <a:schemeClr val="bg1">
+              <a:lumMod val="85000"/>
             </a:schemeClr>
           </a:solidFill>
           <a:ln>
@@ -3085,9 +3084,8 @@
             </a:pathLst>
           </a:custGeom>
           <a:solidFill>
-            <a:schemeClr val="accent6">
-              <a:lumMod val="60000"/>
-              <a:lumOff val="40000"/>
+            <a:schemeClr val="bg1">
+              <a:lumMod val="85000"/>
             </a:schemeClr>
           </a:solidFill>
           <a:ln>
@@ -3418,9 +3416,8 @@
             </a:pathLst>
           </a:custGeom>
           <a:solidFill>
-            <a:schemeClr val="accent6">
-              <a:lumMod val="60000"/>
-              <a:lumOff val="40000"/>
+            <a:schemeClr val="bg1">
+              <a:lumMod val="85000"/>
             </a:schemeClr>
           </a:solidFill>
           <a:ln>
@@ -3911,9 +3908,8 @@
             </a:pathLst>
           </a:custGeom>
           <a:solidFill>
-            <a:schemeClr val="accent6">
-              <a:lumMod val="60000"/>
-              <a:lumOff val="40000"/>
+            <a:schemeClr val="bg1">
+              <a:lumMod val="85000"/>
             </a:schemeClr>
           </a:solidFill>
           <a:ln>
@@ -4145,7 +4141,10 @@
             <a:avLst/>
           </a:prstGeom>
           <a:solidFill>
-            <a:srgbClr val="6699FF"/>
+            <a:schemeClr val="tx1">
+              <a:lumMod val="75000"/>
+              <a:lumOff val="25000"/>
+            </a:schemeClr>
           </a:solidFill>
           <a:ln>
             <a:noFill/>
@@ -4196,7 +4195,10 @@
             <a:avLst/>
           </a:prstGeom>
           <a:solidFill>
-            <a:srgbClr val="6699FF"/>
+            <a:schemeClr val="tx1">
+              <a:lumMod val="75000"/>
+              <a:lumOff val="25000"/>
+            </a:schemeClr>
           </a:solidFill>
           <a:ln>
             <a:noFill/>
@@ -4247,7 +4249,10 @@
             <a:avLst/>
           </a:prstGeom>
           <a:solidFill>
-            <a:srgbClr val="6699FF"/>
+            <a:schemeClr val="tx1">
+              <a:lumMod val="75000"/>
+              <a:lumOff val="25000"/>
+            </a:schemeClr>
           </a:solidFill>
           <a:ln>
             <a:noFill/>
@@ -4298,7 +4303,10 @@
             <a:avLst/>
           </a:prstGeom>
           <a:solidFill>
-            <a:srgbClr val="6699FF"/>
+            <a:schemeClr val="tx1">
+              <a:lumMod val="75000"/>
+              <a:lumOff val="25000"/>
+            </a:schemeClr>
           </a:solidFill>
           <a:ln>
             <a:noFill/>
